--- a/Linux/Bash_Notes.pptx
+++ b/Linux/Bash_Notes.pptx
@@ -8,12 +8,13 @@
     <p:notesMasterId r:id="rId4"/>
   </p:notesMasterIdLst>
   <p:handoutMasterIdLst>
-    <p:handoutMasterId r:id="rId7"/>
+    <p:handoutMasterId r:id="rId8"/>
   </p:handoutMasterIdLst>
   <p:sldIdLst>
     <p:sldId id="256" r:id="rId3"/>
     <p:sldId id="257" r:id="rId5"/>
     <p:sldId id="258" r:id="rId6"/>
+    <p:sldId id="259" r:id="rId7"/>
   </p:sldIdLst>
   <p:sldSz cx="12192000" cy="6858000"/>
   <p:notesSz cx="6858000" cy="9144000"/>
@@ -4979,6 +4980,436 @@
 </p:sld>
 </file>
 
+<file path=ppt/slides/slide4.xml><?xml version="1.0" encoding="utf-8"?>
+<p:sld xmlns:a="http://schemas.openxmlformats.org/drawingml/2006/main" xmlns:r="http://schemas.openxmlformats.org/officeDocument/2006/relationships" xmlns:p="http://schemas.openxmlformats.org/presentationml/2006/main">
+  <p:cSld>
+    <p:spTree>
+      <p:nvGrpSpPr>
+        <p:cNvPr id="1" name=""/>
+        <p:cNvGrpSpPr/>
+        <p:nvPr/>
+      </p:nvGrpSpPr>
+      <p:grpSpPr/>
+      <p:sp>
+        <p:nvSpPr>
+          <p:cNvPr id="2" name="标题 1"/>
+          <p:cNvSpPr>
+            <a:spLocks noGrp="1"/>
+          </p:cNvSpPr>
+          <p:nvPr>
+            <p:ph type="title"/>
+          </p:nvPr>
+        </p:nvSpPr>
+        <p:spPr/>
+        <p:txBody>
+          <a:bodyPr/>
+          <a:p>
+            <a:r>
+              <a:rPr lang="en-US" altLang="zh-CN"/>
+              <a:t>Statements</a:t>
+            </a:r>
+            <a:endParaRPr lang="en-US" altLang="zh-CN"/>
+          </a:p>
+        </p:txBody>
+      </p:sp>
+      <p:sp>
+        <p:nvSpPr>
+          <p:cNvPr id="4" name="文本框 3"/>
+          <p:cNvSpPr txBox="1"/>
+          <p:nvPr/>
+        </p:nvSpPr>
+        <p:spPr>
+          <a:xfrm>
+            <a:off x="964565" y="1264285"/>
+            <a:ext cx="3247390" cy="2030095"/>
+          </a:xfrm>
+          <a:prstGeom prst="rect">
+            <a:avLst/>
+          </a:prstGeom>
+          <a:noFill/>
+          <a:ln>
+            <a:solidFill>
+              <a:srgbClr val="FFC000"/>
+            </a:solidFill>
+          </a:ln>
+        </p:spPr>
+        <p:txBody>
+          <a:bodyPr wrap="square" rtlCol="0">
+            <a:spAutoFit/>
+          </a:bodyPr>
+          <a:p>
+            <a:r>
+              <a:rPr lang="zh-CN" altLang="en-US"/>
+              <a:t>    if &lt;expression&gt;; then</a:t>
+            </a:r>
+            <a:endParaRPr lang="zh-CN" altLang="en-US"/>
+          </a:p>
+          <a:p>
+            <a:r>
+              <a:rPr lang="zh-CN" altLang="en-US"/>
+              <a:t>        &lt;commands&gt;</a:t>
+            </a:r>
+            <a:endParaRPr lang="zh-CN" altLang="en-US"/>
+          </a:p>
+          <a:p>
+            <a:r>
+              <a:rPr lang="zh-CN" altLang="en-US"/>
+              <a:t>    elif &lt;expression&gt;; then</a:t>
+            </a:r>
+            <a:endParaRPr lang="zh-CN" altLang="en-US"/>
+          </a:p>
+          <a:p>
+            <a:r>
+              <a:rPr lang="zh-CN" altLang="en-US"/>
+              <a:t>        &lt;commands&gt;</a:t>
+            </a:r>
+            <a:endParaRPr lang="zh-CN" altLang="en-US"/>
+          </a:p>
+          <a:p>
+            <a:r>
+              <a:rPr lang="zh-CN" altLang="en-US"/>
+              <a:t>    else</a:t>
+            </a:r>
+            <a:endParaRPr lang="zh-CN" altLang="en-US"/>
+          </a:p>
+          <a:p>
+            <a:r>
+              <a:rPr lang="zh-CN" altLang="en-US"/>
+              <a:t>        &lt;commands&gt;</a:t>
+            </a:r>
+            <a:endParaRPr lang="zh-CN" altLang="en-US"/>
+          </a:p>
+          <a:p>
+            <a:r>
+              <a:rPr lang="zh-CN" altLang="en-US"/>
+              <a:t>    fi</a:t>
+            </a:r>
+            <a:endParaRPr lang="zh-CN" altLang="en-US"/>
+          </a:p>
+        </p:txBody>
+      </p:sp>
+      <p:sp>
+        <p:nvSpPr>
+          <p:cNvPr id="5" name="文本框 4"/>
+          <p:cNvSpPr txBox="1"/>
+          <p:nvPr/>
+        </p:nvSpPr>
+        <p:spPr>
+          <a:xfrm>
+            <a:off x="4472305" y="1277620"/>
+            <a:ext cx="3247390" cy="2306955"/>
+          </a:xfrm>
+          <a:prstGeom prst="rect">
+            <a:avLst/>
+          </a:prstGeom>
+          <a:noFill/>
+          <a:ln>
+            <a:solidFill>
+              <a:srgbClr val="FFC000"/>
+            </a:solidFill>
+          </a:ln>
+        </p:spPr>
+        <p:txBody>
+          <a:bodyPr wrap="square" rtlCol="0">
+            <a:spAutoFit/>
+          </a:bodyPr>
+          <a:p>
+            <a:r>
+              <a:rPr lang="zh-CN" altLang="en-US"/>
+              <a:t>    case EXPRESSION in</a:t>
+            </a:r>
+            <a:endParaRPr lang="zh-CN" altLang="en-US"/>
+          </a:p>
+          <a:p>
+            <a:r>
+              <a:rPr lang="zh-CN" altLang="en-US"/>
+              <a:t>    CASE1)</a:t>
+            </a:r>
+            <a:endParaRPr lang="zh-CN" altLang="en-US"/>
+          </a:p>
+          <a:p>
+            <a:r>
+              <a:rPr lang="zh-CN" altLang="en-US"/>
+              <a:t>        COMMAND-LIST</a:t>
+            </a:r>
+            <a:endParaRPr lang="zh-CN" altLang="en-US"/>
+          </a:p>
+          <a:p>
+            <a:r>
+              <a:rPr lang="zh-CN" altLang="en-US"/>
+              <a:t>        ;;</a:t>
+            </a:r>
+            <a:endParaRPr lang="zh-CN" altLang="en-US"/>
+          </a:p>
+          <a:p>
+            <a:r>
+              <a:rPr lang="zh-CN" altLang="en-US"/>
+              <a:t>    CASEN)</a:t>
+            </a:r>
+            <a:endParaRPr lang="zh-CN" altLang="en-US"/>
+          </a:p>
+          <a:p>
+            <a:r>
+              <a:rPr lang="zh-CN" altLang="en-US"/>
+              <a:t>        COMMAND-LIST</a:t>
+            </a:r>
+            <a:endParaRPr lang="zh-CN" altLang="en-US"/>
+          </a:p>
+          <a:p>
+            <a:r>
+              <a:rPr lang="zh-CN" altLang="en-US"/>
+              <a:t>        ;;</a:t>
+            </a:r>
+            <a:endParaRPr lang="zh-CN" altLang="en-US"/>
+          </a:p>
+          <a:p>
+            <a:r>
+              <a:rPr lang="zh-CN" altLang="en-US"/>
+              <a:t>    esac</a:t>
+            </a:r>
+            <a:endParaRPr lang="zh-CN" altLang="en-US"/>
+          </a:p>
+        </p:txBody>
+      </p:sp>
+      <p:sp>
+        <p:nvSpPr>
+          <p:cNvPr id="6" name="文本框 5"/>
+          <p:cNvSpPr txBox="1"/>
+          <p:nvPr/>
+        </p:nvSpPr>
+        <p:spPr>
+          <a:xfrm>
+            <a:off x="964565" y="4116070"/>
+            <a:ext cx="3247390" cy="1198880"/>
+          </a:xfrm>
+          <a:prstGeom prst="rect">
+            <a:avLst/>
+          </a:prstGeom>
+          <a:noFill/>
+          <a:ln>
+            <a:solidFill>
+              <a:srgbClr val="FFC000"/>
+            </a:solidFill>
+          </a:ln>
+        </p:spPr>
+        <p:txBody>
+          <a:bodyPr wrap="square" rtlCol="0">
+            <a:spAutoFit/>
+          </a:bodyPr>
+          <a:p>
+            <a:r>
+              <a:rPr lang="zh-CN" altLang="en-US"/>
+              <a:t>    for i in "${arr[@]}"</a:t>
+            </a:r>
+            <a:endParaRPr lang="zh-CN" altLang="en-US"/>
+          </a:p>
+          <a:p>
+            <a:r>
+              <a:rPr lang="zh-CN" altLang="en-US"/>
+              <a:t>    do</a:t>
+            </a:r>
+            <a:endParaRPr lang="zh-CN" altLang="en-US"/>
+          </a:p>
+          <a:p>
+            <a:r>
+              <a:rPr lang="zh-CN" altLang="en-US"/>
+              <a:t>        echo $i</a:t>
+            </a:r>
+            <a:endParaRPr lang="zh-CN" altLang="en-US"/>
+          </a:p>
+          <a:p>
+            <a:r>
+              <a:rPr lang="zh-CN" altLang="en-US"/>
+              <a:t>    done</a:t>
+            </a:r>
+            <a:endParaRPr lang="zh-CN" altLang="en-US"/>
+          </a:p>
+        </p:txBody>
+      </p:sp>
+      <p:sp>
+        <p:nvSpPr>
+          <p:cNvPr id="7" name="文本框 6"/>
+          <p:cNvSpPr txBox="1"/>
+          <p:nvPr/>
+        </p:nvSpPr>
+        <p:spPr>
+          <a:xfrm>
+            <a:off x="4472305" y="4116070"/>
+            <a:ext cx="3247390" cy="1198880"/>
+          </a:xfrm>
+          <a:prstGeom prst="rect">
+            <a:avLst/>
+          </a:prstGeom>
+          <a:noFill/>
+          <a:ln>
+            <a:solidFill>
+              <a:srgbClr val="FFC000"/>
+            </a:solidFill>
+          </a:ln>
+        </p:spPr>
+        <p:txBody>
+          <a:bodyPr wrap="square" rtlCol="0">
+            <a:spAutoFit/>
+          </a:bodyPr>
+          <a:p>
+            <a:r>
+              <a:rPr lang="zh-CN" altLang="en-US"/>
+              <a:t>    while [ expression ]; do</a:t>
+            </a:r>
+            <a:endParaRPr lang="zh-CN" altLang="en-US"/>
+          </a:p>
+          <a:p>
+            <a:r>
+              <a:rPr lang="zh-CN" altLang="en-US"/>
+              <a:t>        statements;</a:t>
+            </a:r>
+            <a:endParaRPr lang="zh-CN" altLang="en-US"/>
+          </a:p>
+          <a:p>
+            <a:r>
+              <a:rPr lang="zh-CN" altLang="en-US"/>
+              <a:t>        multiple statements;</a:t>
+            </a:r>
+            <a:endParaRPr lang="zh-CN" altLang="en-US"/>
+          </a:p>
+          <a:p>
+            <a:r>
+              <a:rPr lang="zh-CN" altLang="en-US"/>
+              <a:t>    done</a:t>
+            </a:r>
+            <a:endParaRPr lang="zh-CN" altLang="en-US"/>
+          </a:p>
+        </p:txBody>
+      </p:sp>
+      <p:sp>
+        <p:nvSpPr>
+          <p:cNvPr id="8" name="文本框 7"/>
+          <p:cNvSpPr txBox="1"/>
+          <p:nvPr/>
+        </p:nvSpPr>
+        <p:spPr>
+          <a:xfrm>
+            <a:off x="4472305" y="5419725"/>
+            <a:ext cx="3664585" cy="1198880"/>
+          </a:xfrm>
+          <a:prstGeom prst="rect">
+            <a:avLst/>
+          </a:prstGeom>
+          <a:noFill/>
+          <a:ln>
+            <a:solidFill>
+              <a:srgbClr val="FFC000"/>
+            </a:solidFill>
+          </a:ln>
+        </p:spPr>
+        <p:txBody>
+          <a:bodyPr wrap="square" rtlCol="0">
+            <a:spAutoFit/>
+          </a:bodyPr>
+          <a:p>
+            <a:r>
+              <a:rPr lang="zh-CN" altLang="en-US"/>
+              <a:t>    while [ </a:t>
+            </a:r>
+            <a:r>
+              <a:rPr lang="en-US" altLang="zh-CN"/>
+              <a:t>cond1 &amp;&amp; cond2 </a:t>
+            </a:r>
+            <a:r>
+              <a:rPr lang="zh-CN" altLang="en-US"/>
+              <a:t>]; do</a:t>
+            </a:r>
+            <a:endParaRPr lang="zh-CN" altLang="en-US"/>
+          </a:p>
+          <a:p>
+            <a:r>
+              <a:rPr lang="zh-CN" altLang="en-US"/>
+              <a:t>        statements;</a:t>
+            </a:r>
+            <a:endParaRPr lang="zh-CN" altLang="en-US"/>
+          </a:p>
+          <a:p>
+            <a:r>
+              <a:rPr lang="zh-CN" altLang="en-US"/>
+              <a:t>        multiple statements;</a:t>
+            </a:r>
+            <a:endParaRPr lang="zh-CN" altLang="en-US"/>
+          </a:p>
+          <a:p>
+            <a:r>
+              <a:rPr lang="zh-CN" altLang="en-US"/>
+              <a:t>    done</a:t>
+            </a:r>
+            <a:endParaRPr lang="zh-CN" altLang="en-US"/>
+          </a:p>
+        </p:txBody>
+      </p:sp>
+      <p:sp>
+        <p:nvSpPr>
+          <p:cNvPr id="9" name="文本框 8"/>
+          <p:cNvSpPr txBox="1"/>
+          <p:nvPr/>
+        </p:nvSpPr>
+        <p:spPr>
+          <a:xfrm>
+            <a:off x="7953375" y="4116070"/>
+            <a:ext cx="3247390" cy="1198880"/>
+          </a:xfrm>
+          <a:prstGeom prst="rect">
+            <a:avLst/>
+          </a:prstGeom>
+          <a:noFill/>
+          <a:ln>
+            <a:solidFill>
+              <a:srgbClr val="FFC000"/>
+            </a:solidFill>
+          </a:ln>
+        </p:spPr>
+        <p:txBody>
+          <a:bodyPr wrap="square" rtlCol="0">
+            <a:spAutoFit/>
+          </a:bodyPr>
+          <a:p>
+            <a:r>
+              <a:rPr lang="zh-CN" altLang="en-US"/>
+              <a:t>    until [ expression ]; do</a:t>
+            </a:r>
+            <a:endParaRPr lang="zh-CN" altLang="en-US"/>
+          </a:p>
+          <a:p>
+            <a:r>
+              <a:rPr lang="zh-CN" altLang="en-US"/>
+              <a:t>        statements;</a:t>
+            </a:r>
+            <a:endParaRPr lang="zh-CN" altLang="en-US"/>
+          </a:p>
+          <a:p>
+            <a:r>
+              <a:rPr lang="zh-CN" altLang="en-US"/>
+              <a:t>        multiple statements;</a:t>
+            </a:r>
+            <a:endParaRPr lang="zh-CN" altLang="en-US"/>
+          </a:p>
+          <a:p>
+            <a:r>
+              <a:rPr lang="zh-CN" altLang="en-US"/>
+              <a:t>    done</a:t>
+            </a:r>
+            <a:endParaRPr lang="zh-CN" altLang="en-US"/>
+          </a:p>
+        </p:txBody>
+      </p:sp>
+    </p:spTree>
+    <p:custDataLst>
+      <p:tags r:id="rId1"/>
+    </p:custDataLst>
+  </p:cSld>
+  <p:clrMapOvr>
+    <a:masterClrMapping/>
+  </p:clrMapOvr>
+</p:sld>
+</file>
+
 <file path=ppt/tags/tag1.xml><?xml version="1.0" encoding="utf-8"?>
 <p:tagLst xmlns:p="http://schemas.openxmlformats.org/presentationml/2006/main">
   <p:tag name="KSO_WM_TAG_VERSION" val="1.0"/>
@@ -4988,6 +5419,14 @@
 </file>
 
 <file path=ppt/tags/tag10.xml><?xml version="1.0" encoding="utf-8"?>
+<p:tagLst xmlns:p="http://schemas.openxmlformats.org/presentationml/2006/main">
+  <p:tag name="KSO_WM_BEAUTIFY_FLAG" val="#wm#"/>
+  <p:tag name="KSO_WM_TEMPLATE_CATEGORY" val="custom"/>
+  <p:tag name="KSO_WM_TEMPLATE_INDEX" val="160402"/>
+</p:tagLst>
+</file>
+
+<file path=ppt/tags/tag11.xml><?xml version="1.0" encoding="utf-8"?>
 <p:tagLst xmlns:p="http://schemas.openxmlformats.org/presentationml/2006/main">
   <p:tag name="KSO_WM_BEAUTIFY_FLAG" val="#wm#"/>
   <p:tag name="KSO_WM_TEMPLATE_CATEGORY" val="custom"/>

--- a/Linux/Bash_Notes.pptx
+++ b/Linux/Bash_Notes.pptx
@@ -8,13 +8,16 @@
     <p:notesMasterId r:id="rId4"/>
   </p:notesMasterIdLst>
   <p:handoutMasterIdLst>
-    <p:handoutMasterId r:id="rId8"/>
+    <p:handoutMasterId r:id="rId11"/>
   </p:handoutMasterIdLst>
   <p:sldIdLst>
     <p:sldId id="256" r:id="rId3"/>
     <p:sldId id="257" r:id="rId5"/>
     <p:sldId id="258" r:id="rId6"/>
     <p:sldId id="259" r:id="rId7"/>
+    <p:sldId id="260" r:id="rId8"/>
+    <p:sldId id="261" r:id="rId9"/>
+    <p:sldId id="262" r:id="rId10"/>
   </p:sldIdLst>
   <p:sldSz cx="12192000" cy="6858000"/>
   <p:notesSz cx="6858000" cy="9144000"/>
@@ -5410,6 +5413,239 @@
 </p:sld>
 </file>
 
+<file path=ppt/slides/slide5.xml><?xml version="1.0" encoding="utf-8"?>
+<p:sld xmlns:a="http://schemas.openxmlformats.org/drawingml/2006/main" xmlns:r="http://schemas.openxmlformats.org/officeDocument/2006/relationships" xmlns:p="http://schemas.openxmlformats.org/presentationml/2006/main">
+  <p:cSld>
+    <p:spTree>
+      <p:nvGrpSpPr>
+        <p:cNvPr id="1" name=""/>
+        <p:cNvGrpSpPr/>
+        <p:nvPr/>
+      </p:nvGrpSpPr>
+      <p:grpSpPr/>
+      <p:sp>
+        <p:nvSpPr>
+          <p:cNvPr id="2" name="标题 1"/>
+          <p:cNvSpPr>
+            <a:spLocks noGrp="1"/>
+          </p:cNvSpPr>
+          <p:nvPr>
+            <p:ph type="title"/>
+          </p:nvPr>
+        </p:nvSpPr>
+        <p:spPr/>
+        <p:txBody>
+          <a:bodyPr/>
+          <a:p>
+            <a:r>
+              <a:rPr lang="en-US" altLang="zh-CN"/>
+              <a:t>Base64 Encoding/Decoding</a:t>
+            </a:r>
+            <a:endParaRPr lang="en-US" altLang="zh-CN"/>
+          </a:p>
+        </p:txBody>
+      </p:sp>
+      <p:sp>
+        <p:nvSpPr>
+          <p:cNvPr id="3" name="内容占位符 2"/>
+          <p:cNvSpPr>
+            <a:spLocks noGrp="1"/>
+          </p:cNvSpPr>
+          <p:nvPr>
+            <p:ph idx="1"/>
+          </p:nvPr>
+        </p:nvSpPr>
+        <p:spPr/>
+        <p:txBody>
+          <a:bodyPr/>
+          <a:p>
+            <a:r>
+              <a:rPr lang="en-US" altLang="zh-CN"/>
+              <a:t>Encode</a:t>
+            </a:r>
+            <a:endParaRPr lang="en-US" altLang="zh-CN"/>
+          </a:p>
+          <a:p>
+            <a:pPr lvl="1"/>
+            <a:r>
+              <a:rPr lang="en-US" altLang="zh-CN"/>
+              <a:t>base64 {input_filename} &gt; {output_filename}</a:t>
+            </a:r>
+            <a:endParaRPr lang="en-US" altLang="zh-CN"/>
+          </a:p>
+          <a:p>
+            <a:pPr lvl="0"/>
+            <a:r>
+              <a:rPr lang="en-US" altLang="zh-CN"/>
+              <a:t>Decode</a:t>
+            </a:r>
+            <a:endParaRPr lang="en-US" altLang="zh-CN"/>
+          </a:p>
+          <a:p>
+            <a:pPr lvl="1"/>
+            <a:r>
+              <a:rPr lang="en-US" altLang="zh-CN"/>
+              <a:t>base64 -d {input_filename} &gt; {output_filename}</a:t>
+            </a:r>
+            <a:endParaRPr lang="en-US" altLang="zh-CN"/>
+          </a:p>
+        </p:txBody>
+      </p:sp>
+    </p:spTree>
+    <p:custDataLst>
+      <p:tags r:id="rId1"/>
+    </p:custDataLst>
+  </p:cSld>
+  <p:clrMapOvr>
+    <a:masterClrMapping/>
+  </p:clrMapOvr>
+</p:sld>
+</file>
+
+<file path=ppt/slides/slide6.xml><?xml version="1.0" encoding="utf-8"?>
+<p:sld xmlns:a="http://schemas.openxmlformats.org/drawingml/2006/main" xmlns:r="http://schemas.openxmlformats.org/officeDocument/2006/relationships" xmlns:p="http://schemas.openxmlformats.org/presentationml/2006/main">
+  <p:cSld>
+    <p:spTree>
+      <p:nvGrpSpPr>
+        <p:cNvPr id="1" name=""/>
+        <p:cNvGrpSpPr/>
+        <p:nvPr/>
+      </p:nvGrpSpPr>
+      <p:grpSpPr/>
+      <p:sp>
+        <p:nvSpPr>
+          <p:cNvPr id="2" name="标题 1"/>
+          <p:cNvSpPr>
+            <a:spLocks noGrp="1"/>
+          </p:cNvSpPr>
+          <p:nvPr>
+            <p:ph type="title"/>
+          </p:nvPr>
+        </p:nvSpPr>
+        <p:spPr/>
+        <p:txBody>
+          <a:bodyPr/>
+          <a:p>
+            <a:r>
+              <a:rPr lang="en-US" altLang="zh-CN"/>
+              <a:t>System Info</a:t>
+            </a:r>
+            <a:endParaRPr lang="en-US" altLang="zh-CN"/>
+          </a:p>
+        </p:txBody>
+      </p:sp>
+      <p:sp>
+        <p:nvSpPr>
+          <p:cNvPr id="3" name="内容占位符 2"/>
+          <p:cNvSpPr>
+            <a:spLocks noGrp="1"/>
+          </p:cNvSpPr>
+          <p:nvPr>
+            <p:ph idx="1"/>
+          </p:nvPr>
+        </p:nvSpPr>
+        <p:spPr/>
+        <p:txBody>
+          <a:bodyPr/>
+          <a:p>
+            <a:r>
+              <a:rPr lang="en-US" altLang="zh-CN"/>
+              <a:t>cat /proc/cpuinfo</a:t>
+            </a:r>
+            <a:endParaRPr lang="en-US" altLang="zh-CN"/>
+          </a:p>
+          <a:p>
+            <a:r>
+              <a:rPr lang="en-US" altLang="zh-CN"/>
+              <a:t>cat /etc/lsb-release</a:t>
+            </a:r>
+            <a:endParaRPr lang="en-US" altLang="zh-CN"/>
+          </a:p>
+          <a:p>
+            <a:r>
+              <a:rPr lang="en-US" altLang="zh-CN"/>
+              <a:t>cat /etc/centos-release</a:t>
+            </a:r>
+            <a:endParaRPr lang="en-US" altLang="zh-CN"/>
+          </a:p>
+        </p:txBody>
+      </p:sp>
+    </p:spTree>
+    <p:custDataLst>
+      <p:tags r:id="rId1"/>
+    </p:custDataLst>
+  </p:cSld>
+  <p:clrMapOvr>
+    <a:masterClrMapping/>
+  </p:clrMapOvr>
+</p:sld>
+</file>
+
+<file path=ppt/slides/slide7.xml><?xml version="1.0" encoding="utf-8"?>
+<p:sld xmlns:a="http://schemas.openxmlformats.org/drawingml/2006/main" xmlns:r="http://schemas.openxmlformats.org/officeDocument/2006/relationships" xmlns:p="http://schemas.openxmlformats.org/presentationml/2006/main">
+  <p:cSld>
+    <p:spTree>
+      <p:nvGrpSpPr>
+        <p:cNvPr id="1" name=""/>
+        <p:cNvGrpSpPr/>
+        <p:nvPr/>
+      </p:nvGrpSpPr>
+      <p:grpSpPr/>
+      <p:sp>
+        <p:nvSpPr>
+          <p:cNvPr id="2" name="标题 1"/>
+          <p:cNvSpPr>
+            <a:spLocks noGrp="1"/>
+          </p:cNvSpPr>
+          <p:nvPr>
+            <p:ph type="title"/>
+          </p:nvPr>
+        </p:nvSpPr>
+        <p:spPr/>
+        <p:txBody>
+          <a:bodyPr/>
+          <a:p>
+            <a:r>
+              <a:rPr lang="en-US" altLang="zh-CN"/>
+              <a:t>Admin</a:t>
+            </a:r>
+            <a:endParaRPr lang="en-US" altLang="zh-CN"/>
+          </a:p>
+        </p:txBody>
+      </p:sp>
+      <p:sp>
+        <p:nvSpPr>
+          <p:cNvPr id="3" name="内容占位符 2"/>
+          <p:cNvSpPr>
+            <a:spLocks noGrp="1"/>
+          </p:cNvSpPr>
+          <p:nvPr>
+            <p:ph idx="1"/>
+          </p:nvPr>
+        </p:nvSpPr>
+        <p:spPr/>
+        <p:txBody>
+          <a:bodyPr/>
+          <a:p>
+            <a:r>
+              <a:rPr lang="en-US" altLang="zh-CN"/>
+              <a:t>/etc/sudoers</a:t>
+            </a:r>
+            <a:endParaRPr lang="en-US" altLang="zh-CN"/>
+          </a:p>
+        </p:txBody>
+      </p:sp>
+    </p:spTree>
+    <p:custDataLst>
+      <p:tags r:id="rId1"/>
+    </p:custDataLst>
+  </p:cSld>
+  <p:clrMapOvr>
+    <a:masterClrMapping/>
+  </p:clrMapOvr>
+</p:sld>
+</file>
+
 <file path=ppt/tags/tag1.xml><?xml version="1.0" encoding="utf-8"?>
 <p:tagLst xmlns:p="http://schemas.openxmlformats.org/presentationml/2006/main">
   <p:tag name="KSO_WM_TAG_VERSION" val="1.0"/>
@@ -5427,6 +5663,30 @@
 </file>
 
 <file path=ppt/tags/tag11.xml><?xml version="1.0" encoding="utf-8"?>
+<p:tagLst xmlns:p="http://schemas.openxmlformats.org/presentationml/2006/main">
+  <p:tag name="KSO_WM_BEAUTIFY_FLAG" val="#wm#"/>
+  <p:tag name="KSO_WM_TEMPLATE_CATEGORY" val="custom"/>
+  <p:tag name="KSO_WM_TEMPLATE_INDEX" val="160402"/>
+</p:tagLst>
+</file>
+
+<file path=ppt/tags/tag12.xml><?xml version="1.0" encoding="utf-8"?>
+<p:tagLst xmlns:p="http://schemas.openxmlformats.org/presentationml/2006/main">
+  <p:tag name="KSO_WM_BEAUTIFY_FLAG" val="#wm#"/>
+  <p:tag name="KSO_WM_TEMPLATE_CATEGORY" val="custom"/>
+  <p:tag name="KSO_WM_TEMPLATE_INDEX" val="160402"/>
+</p:tagLst>
+</file>
+
+<file path=ppt/tags/tag13.xml><?xml version="1.0" encoding="utf-8"?>
+<p:tagLst xmlns:p="http://schemas.openxmlformats.org/presentationml/2006/main">
+  <p:tag name="KSO_WM_BEAUTIFY_FLAG" val="#wm#"/>
+  <p:tag name="KSO_WM_TEMPLATE_CATEGORY" val="custom"/>
+  <p:tag name="KSO_WM_TEMPLATE_INDEX" val="160402"/>
+</p:tagLst>
+</file>
+
+<file path=ppt/tags/tag14.xml><?xml version="1.0" encoding="utf-8"?>
 <p:tagLst xmlns:p="http://schemas.openxmlformats.org/presentationml/2006/main">
   <p:tag name="KSO_WM_BEAUTIFY_FLAG" val="#wm#"/>
   <p:tag name="KSO_WM_TEMPLATE_CATEGORY" val="custom"/>

--- a/Linux/Bash_Notes.pptx
+++ b/Linux/Bash_Notes.pptx
@@ -5630,6 +5630,21 @@
             <a:r>
               <a:rPr lang="en-US" altLang="zh-CN"/>
               <a:t>/etc/sudoers</a:t>
+            </a:r>
+            <a:endParaRPr lang="en-US" altLang="zh-CN"/>
+          </a:p>
+          <a:p>
+            <a:r>
+              <a:rPr lang="en-US" altLang="zh-CN"/>
+              <a:t>Delete files older than 7 days</a:t>
+            </a:r>
+            <a:endParaRPr lang="en-US" altLang="zh-CN"/>
+          </a:p>
+          <a:p>
+            <a:pPr lvl="1"/>
+            <a:r>
+              <a:rPr lang="en-US" altLang="zh-CN"/>
+              <a:t>find /path/to/files* -mtime +7 -exec rm {} \;</a:t>
             </a:r>
             <a:endParaRPr lang="en-US" altLang="zh-CN"/>
           </a:p>
